--- a/LSA_Presentation.pptx
+++ b/LSA_Presentation.pptx
@@ -18291,12 +18291,20 @@
               <a:buNone/>
             </a:pPr>
             <a:r>
+              <a:rPr lang="en-IN" sz="2400" dirty="0"/>
+              <a:t>As the model </a:t>
+            </a:r>
+            <a:r>
               <a:rPr lang="en-IN" sz="2400"/>
-              <a:t>As the model is exceeding the criteria of predicting 80% of the conversion leads into students, model can be effectively used for the prediction.</a:t>
+              <a:t>is meeting </a:t>
+            </a:r>
+            <a:r>
+              <a:rPr lang="en-IN" sz="2400" dirty="0"/>
+              <a:t>the criteria of predicting 80% of the conversion leads into students, model can be effectively used for the prediction.</a:t>
             </a:r>
           </a:p>
           <a:p>
-            <a:endParaRPr lang="en-IN" sz="2400"/>
+            <a:endParaRPr lang="en-IN" sz="2400" dirty="0"/>
           </a:p>
         </p:txBody>
       </p:sp>
